--- a/capturas.pptx
+++ b/capturas.pptx
@@ -12,6 +12,7 @@
     <p:sldId id="260" r:id="rId6"/>
     <p:sldId id="261" r:id="rId7"/>
     <p:sldId id="262" r:id="rId8"/>
+    <p:sldId id="263" r:id="rId9"/>
   </p:sldIdLst>
   <p:sldSz cx="12192000" cy="6858000"/>
   <p:notesSz cx="6858000" cy="9144000"/>
@@ -110,6 +111,11 @@
       </a:defRPr>
     </a:lvl9pPr>
   </p:defaultTextStyle>
+  <p:extLst>
+    <p:ext uri="{EFAFB233-063F-42B5-8137-9DF3F51BA10A}">
+      <p15:sldGuideLst xmlns:p15="http://schemas.microsoft.com/office/powerpoint/2012/main"/>
+    </p:ext>
+  </p:extLst>
 </p:presentation>
 </file>
 
@@ -260,7 +266,7 @@
           <a:p>
             <a:fld id="{18940BDF-93D9-4C9A-A6FA-F163E9711AF1}" type="datetimeFigureOut">
               <a:rPr lang="es-ES" smtClean="0"/>
-              <a:t>13/01/2025</a:t>
+              <a:t>19/01/2025</a:t>
             </a:fld>
             <a:endParaRPr lang="es-ES"/>
           </a:p>
@@ -458,7 +464,7 @@
           <a:p>
             <a:fld id="{18940BDF-93D9-4C9A-A6FA-F163E9711AF1}" type="datetimeFigureOut">
               <a:rPr lang="es-ES" smtClean="0"/>
-              <a:t>13/01/2025</a:t>
+              <a:t>19/01/2025</a:t>
             </a:fld>
             <a:endParaRPr lang="es-ES"/>
           </a:p>
@@ -666,7 +672,7 @@
           <a:p>
             <a:fld id="{18940BDF-93D9-4C9A-A6FA-F163E9711AF1}" type="datetimeFigureOut">
               <a:rPr lang="es-ES" smtClean="0"/>
-              <a:t>13/01/2025</a:t>
+              <a:t>19/01/2025</a:t>
             </a:fld>
             <a:endParaRPr lang="es-ES"/>
           </a:p>
@@ -864,7 +870,7 @@
           <a:p>
             <a:fld id="{18940BDF-93D9-4C9A-A6FA-F163E9711AF1}" type="datetimeFigureOut">
               <a:rPr lang="es-ES" smtClean="0"/>
-              <a:t>13/01/2025</a:t>
+              <a:t>19/01/2025</a:t>
             </a:fld>
             <a:endParaRPr lang="es-ES"/>
           </a:p>
@@ -1139,7 +1145,7 @@
           <a:p>
             <a:fld id="{18940BDF-93D9-4C9A-A6FA-F163E9711AF1}" type="datetimeFigureOut">
               <a:rPr lang="es-ES" smtClean="0"/>
-              <a:t>13/01/2025</a:t>
+              <a:t>19/01/2025</a:t>
             </a:fld>
             <a:endParaRPr lang="es-ES"/>
           </a:p>
@@ -1404,7 +1410,7 @@
           <a:p>
             <a:fld id="{18940BDF-93D9-4C9A-A6FA-F163E9711AF1}" type="datetimeFigureOut">
               <a:rPr lang="es-ES" smtClean="0"/>
-              <a:t>13/01/2025</a:t>
+              <a:t>19/01/2025</a:t>
             </a:fld>
             <a:endParaRPr lang="es-ES"/>
           </a:p>
@@ -1816,7 +1822,7 @@
           <a:p>
             <a:fld id="{18940BDF-93D9-4C9A-A6FA-F163E9711AF1}" type="datetimeFigureOut">
               <a:rPr lang="es-ES" smtClean="0"/>
-              <a:t>13/01/2025</a:t>
+              <a:t>19/01/2025</a:t>
             </a:fld>
             <a:endParaRPr lang="es-ES"/>
           </a:p>
@@ -1957,7 +1963,7 @@
           <a:p>
             <a:fld id="{18940BDF-93D9-4C9A-A6FA-F163E9711AF1}" type="datetimeFigureOut">
               <a:rPr lang="es-ES" smtClean="0"/>
-              <a:t>13/01/2025</a:t>
+              <a:t>19/01/2025</a:t>
             </a:fld>
             <a:endParaRPr lang="es-ES"/>
           </a:p>
@@ -2070,7 +2076,7 @@
           <a:p>
             <a:fld id="{18940BDF-93D9-4C9A-A6FA-F163E9711AF1}" type="datetimeFigureOut">
               <a:rPr lang="es-ES" smtClean="0"/>
-              <a:t>13/01/2025</a:t>
+              <a:t>19/01/2025</a:t>
             </a:fld>
             <a:endParaRPr lang="es-ES"/>
           </a:p>
@@ -2381,7 +2387,7 @@
           <a:p>
             <a:fld id="{18940BDF-93D9-4C9A-A6FA-F163E9711AF1}" type="datetimeFigureOut">
               <a:rPr lang="es-ES" smtClean="0"/>
-              <a:t>13/01/2025</a:t>
+              <a:t>19/01/2025</a:t>
             </a:fld>
             <a:endParaRPr lang="es-ES"/>
           </a:p>
@@ -2669,7 +2675,7 @@
           <a:p>
             <a:fld id="{18940BDF-93D9-4C9A-A6FA-F163E9711AF1}" type="datetimeFigureOut">
               <a:rPr lang="es-ES" smtClean="0"/>
-              <a:t>13/01/2025</a:t>
+              <a:t>19/01/2025</a:t>
             </a:fld>
             <a:endParaRPr lang="es-ES"/>
           </a:p>
@@ -2910,7 +2916,7 @@
           <a:p>
             <a:fld id="{18940BDF-93D9-4C9A-A6FA-F163E9711AF1}" type="datetimeFigureOut">
               <a:rPr lang="es-ES" smtClean="0"/>
-              <a:t>13/01/2025</a:t>
+              <a:t>19/01/2025</a:t>
             </a:fld>
             <a:endParaRPr lang="es-ES"/>
           </a:p>
@@ -3779,10 +3785,10 @@
       </p:grpSpPr>
       <p:pic>
         <p:nvPicPr>
-          <p:cNvPr id="3" name="Imagen 2">
-            <a:extLst>
-              <a:ext uri="{FF2B5EF4-FFF2-40B4-BE49-F238E27FC236}">
-                <a16:creationId xmlns:a16="http://schemas.microsoft.com/office/drawing/2014/main" id="{19D8EF53-4648-84C4-8591-E86C73D602A3}"/>
+          <p:cNvPr id="5" name="Imagen 4">
+            <a:extLst>
+              <a:ext uri="{FF2B5EF4-FFF2-40B4-BE49-F238E27FC236}">
+                <a16:creationId xmlns:a16="http://schemas.microsoft.com/office/drawing/2014/main" id="{1A1B212F-E182-FC3B-EE5A-5BD4073DABAC}"/>
               </a:ext>
             </a:extLst>
           </p:cNvPr>
@@ -3799,8 +3805,8 @@
         </p:blipFill>
         <p:spPr>
           <a:xfrm>
-            <a:off x="639193" y="236978"/>
-            <a:ext cx="6886812" cy="3678075"/>
+            <a:off x="859794" y="3710403"/>
+            <a:ext cx="10150137" cy="2720882"/>
           </a:xfrm>
           <a:prstGeom prst="rect">
             <a:avLst/>
@@ -3809,10 +3815,10 @@
       </p:pic>
       <p:pic>
         <p:nvPicPr>
-          <p:cNvPr id="5" name="Imagen 4">
-            <a:extLst>
-              <a:ext uri="{FF2B5EF4-FFF2-40B4-BE49-F238E27FC236}">
-                <a16:creationId xmlns:a16="http://schemas.microsoft.com/office/drawing/2014/main" id="{1A1B212F-E182-FC3B-EE5A-5BD4073DABAC}"/>
+          <p:cNvPr id="4" name="Imagen 3">
+            <a:extLst>
+              <a:ext uri="{FF2B5EF4-FFF2-40B4-BE49-F238E27FC236}">
+                <a16:creationId xmlns:a16="http://schemas.microsoft.com/office/drawing/2014/main" id="{A7D7ACF8-21DE-02AA-546D-3FE3EA05FC27}"/>
               </a:ext>
             </a:extLst>
           </p:cNvPr>
@@ -3829,8 +3835,8 @@
         </p:blipFill>
         <p:spPr>
           <a:xfrm>
-            <a:off x="1118586" y="3995075"/>
-            <a:ext cx="10150137" cy="2720882"/>
+            <a:off x="284672" y="142043"/>
+            <a:ext cx="6740106" cy="3282177"/>
           </a:xfrm>
           <a:prstGeom prst="rect">
             <a:avLst/>
@@ -3959,10 +3965,10 @@
       </p:grpSpPr>
       <p:pic>
         <p:nvPicPr>
-          <p:cNvPr id="3" name="Imagen 2">
-            <a:extLst>
-              <a:ext uri="{FF2B5EF4-FFF2-40B4-BE49-F238E27FC236}">
-                <a16:creationId xmlns:a16="http://schemas.microsoft.com/office/drawing/2014/main" id="{DE528CB0-65A6-903C-2846-F321FBB2D405}"/>
+          <p:cNvPr id="4" name="Imagen 3">
+            <a:extLst>
+              <a:ext uri="{FF2B5EF4-FFF2-40B4-BE49-F238E27FC236}">
+                <a16:creationId xmlns:a16="http://schemas.microsoft.com/office/drawing/2014/main" id="{9CB5CF4D-ED66-F0F3-06BF-D7EC0C26857D}"/>
               </a:ext>
             </a:extLst>
           </p:cNvPr>
@@ -3979,8 +3985,38 @@
         </p:blipFill>
         <p:spPr>
           <a:xfrm>
-            <a:off x="292395" y="257453"/>
-            <a:ext cx="6258041" cy="4425518"/>
+            <a:off x="284672" y="246217"/>
+            <a:ext cx="6909039" cy="4420673"/>
+          </a:xfrm>
+          <a:prstGeom prst="rect">
+            <a:avLst/>
+          </a:prstGeom>
+        </p:spPr>
+      </p:pic>
+      <p:pic>
+        <p:nvPicPr>
+          <p:cNvPr id="6" name="Imagen 5">
+            <a:extLst>
+              <a:ext uri="{FF2B5EF4-FFF2-40B4-BE49-F238E27FC236}">
+                <a16:creationId xmlns:a16="http://schemas.microsoft.com/office/drawing/2014/main" id="{8A60F521-4C1F-9B46-535E-4BE0F2B139E7}"/>
+              </a:ext>
+            </a:extLst>
+          </p:cNvPr>
+          <p:cNvPicPr>
+            <a:picLocks noChangeAspect="1"/>
+          </p:cNvPicPr>
+          <p:nvPr/>
+        </p:nvPicPr>
+        <p:blipFill>
+          <a:blip r:embed="rId3"/>
+          <a:stretch>
+            <a:fillRect/>
+          </a:stretch>
+        </p:blipFill>
+        <p:spPr>
+          <a:xfrm>
+            <a:off x="6467621" y="2437326"/>
+            <a:ext cx="5439707" cy="4019909"/>
           </a:xfrm>
           <a:prstGeom prst="rect">
             <a:avLst/>
@@ -3991,6 +4027,186 @@
     <p:extLst>
       <p:ext uri="{BB962C8B-B14F-4D97-AF65-F5344CB8AC3E}">
         <p14:creationId xmlns:p14="http://schemas.microsoft.com/office/powerpoint/2010/main" val="3119563868"/>
+      </p:ext>
+    </p:extLst>
+  </p:cSld>
+  <p:clrMapOvr>
+    <a:masterClrMapping/>
+  </p:clrMapOvr>
+</p:sld>
+</file>
+
+<file path=ppt/slides/slide8.xml><?xml version="1.0" encoding="utf-8"?>
+<p:sld xmlns:a="http://schemas.openxmlformats.org/drawingml/2006/main" xmlns:r="http://schemas.openxmlformats.org/officeDocument/2006/relationships" xmlns:p="http://schemas.openxmlformats.org/presentationml/2006/main">
+  <p:cSld>
+    <p:spTree>
+      <p:nvGrpSpPr>
+        <p:cNvPr id="1" name=""/>
+        <p:cNvGrpSpPr/>
+        <p:nvPr/>
+      </p:nvGrpSpPr>
+      <p:grpSpPr>
+        <a:xfrm>
+          <a:off x="0" y="0"/>
+          <a:ext cx="0" cy="0"/>
+          <a:chOff x="0" y="0"/>
+          <a:chExt cx="0" cy="0"/>
+        </a:xfrm>
+      </p:grpSpPr>
+      <p:pic>
+        <p:nvPicPr>
+          <p:cNvPr id="3" name="Imagen 2">
+            <a:extLst>
+              <a:ext uri="{FF2B5EF4-FFF2-40B4-BE49-F238E27FC236}">
+                <a16:creationId xmlns:a16="http://schemas.microsoft.com/office/drawing/2014/main" id="{D1EA3536-C10F-675A-AD31-7D8096455E98}"/>
+              </a:ext>
+            </a:extLst>
+          </p:cNvPr>
+          <p:cNvPicPr>
+            <a:picLocks noChangeAspect="1"/>
+          </p:cNvPicPr>
+          <p:nvPr/>
+        </p:nvPicPr>
+        <p:blipFill>
+          <a:blip r:embed="rId2"/>
+          <a:stretch>
+            <a:fillRect/>
+          </a:stretch>
+        </p:blipFill>
+        <p:spPr>
+          <a:xfrm>
+            <a:off x="481610" y="414062"/>
+            <a:ext cx="10745700" cy="2648320"/>
+          </a:xfrm>
+          <a:prstGeom prst="rect">
+            <a:avLst/>
+          </a:prstGeom>
+        </p:spPr>
+      </p:pic>
+      <p:pic>
+        <p:nvPicPr>
+          <p:cNvPr id="5" name="Imagen 4">
+            <a:extLst>
+              <a:ext uri="{FF2B5EF4-FFF2-40B4-BE49-F238E27FC236}">
+                <a16:creationId xmlns:a16="http://schemas.microsoft.com/office/drawing/2014/main" id="{BF57A2BB-FA00-98E6-AD79-20953B313147}"/>
+              </a:ext>
+            </a:extLst>
+          </p:cNvPr>
+          <p:cNvPicPr>
+            <a:picLocks noChangeAspect="1"/>
+          </p:cNvPicPr>
+          <p:nvPr/>
+        </p:nvPicPr>
+        <p:blipFill>
+          <a:blip r:embed="rId3"/>
+          <a:stretch>
+            <a:fillRect/>
+          </a:stretch>
+        </p:blipFill>
+        <p:spPr>
+          <a:xfrm>
+            <a:off x="272031" y="3429000"/>
+            <a:ext cx="10955279" cy="1228896"/>
+          </a:xfrm>
+          <a:prstGeom prst="rect">
+            <a:avLst/>
+          </a:prstGeom>
+        </p:spPr>
+      </p:pic>
+      <p:pic>
+        <p:nvPicPr>
+          <p:cNvPr id="7" name="Imagen 6">
+            <a:extLst>
+              <a:ext uri="{FF2B5EF4-FFF2-40B4-BE49-F238E27FC236}">
+                <a16:creationId xmlns:a16="http://schemas.microsoft.com/office/drawing/2014/main" id="{78E69E31-354B-BA17-3556-4FD4A213F2A8}"/>
+              </a:ext>
+            </a:extLst>
+          </p:cNvPr>
+          <p:cNvPicPr>
+            <a:picLocks noChangeAspect="1"/>
+          </p:cNvPicPr>
+          <p:nvPr/>
+        </p:nvPicPr>
+        <p:blipFill>
+          <a:blip r:embed="rId4"/>
+          <a:stretch>
+            <a:fillRect/>
+          </a:stretch>
+        </p:blipFill>
+        <p:spPr>
+          <a:xfrm>
+            <a:off x="5088659" y="2688342"/>
+            <a:ext cx="6831310" cy="4169658"/>
+          </a:xfrm>
+          <a:prstGeom prst="rect">
+            <a:avLst/>
+          </a:prstGeom>
+        </p:spPr>
+      </p:pic>
+      <p:pic>
+        <p:nvPicPr>
+          <p:cNvPr id="9" name="Imagen 8">
+            <a:extLst>
+              <a:ext uri="{FF2B5EF4-FFF2-40B4-BE49-F238E27FC236}">
+                <a16:creationId xmlns:a16="http://schemas.microsoft.com/office/drawing/2014/main" id="{3E5DEFFB-AFD8-2BEE-F4BC-3684E69B2430}"/>
+              </a:ext>
+            </a:extLst>
+          </p:cNvPr>
+          <p:cNvPicPr>
+            <a:picLocks noChangeAspect="1"/>
+          </p:cNvPicPr>
+          <p:nvPr/>
+        </p:nvPicPr>
+        <p:blipFill>
+          <a:blip r:embed="rId5"/>
+          <a:stretch>
+            <a:fillRect/>
+          </a:stretch>
+        </p:blipFill>
+        <p:spPr>
+          <a:xfrm>
+            <a:off x="1082972" y="3706250"/>
+            <a:ext cx="7421342" cy="4192475"/>
+          </a:xfrm>
+          <a:prstGeom prst="rect">
+            <a:avLst/>
+          </a:prstGeom>
+        </p:spPr>
+      </p:pic>
+      <p:pic>
+        <p:nvPicPr>
+          <p:cNvPr id="11" name="Imagen 10">
+            <a:extLst>
+              <a:ext uri="{FF2B5EF4-FFF2-40B4-BE49-F238E27FC236}">
+                <a16:creationId xmlns:a16="http://schemas.microsoft.com/office/drawing/2014/main" id="{9B44715E-0157-B9B1-0CC5-E7FC8B849FAF}"/>
+              </a:ext>
+            </a:extLst>
+          </p:cNvPr>
+          <p:cNvPicPr>
+            <a:picLocks noChangeAspect="1"/>
+          </p:cNvPicPr>
+          <p:nvPr/>
+        </p:nvPicPr>
+        <p:blipFill>
+          <a:blip r:embed="rId6"/>
+          <a:stretch>
+            <a:fillRect/>
+          </a:stretch>
+        </p:blipFill>
+        <p:spPr>
+          <a:xfrm>
+            <a:off x="548295" y="4793703"/>
+            <a:ext cx="10679015" cy="1762371"/>
+          </a:xfrm>
+          <a:prstGeom prst="rect">
+            <a:avLst/>
+          </a:prstGeom>
+        </p:spPr>
+      </p:pic>
+    </p:spTree>
+    <p:extLst>
+      <p:ext uri="{BB962C8B-B14F-4D97-AF65-F5344CB8AC3E}">
+        <p14:creationId xmlns:p14="http://schemas.microsoft.com/office/powerpoint/2010/main" val="2996928594"/>
       </p:ext>
     </p:extLst>
   </p:cSld>
